--- a/docs/MermaidJS Plugin.pptx
+++ b/docs/MermaidJS Plugin.pptx
@@ -268,7 +268,7 @@
           <a:p>
             <a:fld id="{49BD1260-F800-47FF-BFB7-04863EE0A73E}" type="datetimeFigureOut">
               <a:rPr lang="en-US" smtClean="0"/>
-              <a:t>10/10/2022</a:t>
+              <a:t>10/13/2022</a:t>
             </a:fld>
             <a:endParaRPr lang="en-US"/>
           </a:p>
@@ -468,7 +468,7 @@
           <a:p>
             <a:fld id="{49BD1260-F800-47FF-BFB7-04863EE0A73E}" type="datetimeFigureOut">
               <a:rPr lang="en-US" smtClean="0"/>
-              <a:t>10/10/2022</a:t>
+              <a:t>10/13/2022</a:t>
             </a:fld>
             <a:endParaRPr lang="en-US"/>
           </a:p>
@@ -678,7 +678,7 @@
           <a:p>
             <a:fld id="{49BD1260-F800-47FF-BFB7-04863EE0A73E}" type="datetimeFigureOut">
               <a:rPr lang="en-US" smtClean="0"/>
-              <a:t>10/10/2022</a:t>
+              <a:t>10/13/2022</a:t>
             </a:fld>
             <a:endParaRPr lang="en-US"/>
           </a:p>
@@ -878,7 +878,7 @@
           <a:p>
             <a:fld id="{49BD1260-F800-47FF-BFB7-04863EE0A73E}" type="datetimeFigureOut">
               <a:rPr lang="en-US" smtClean="0"/>
-              <a:t>10/10/2022</a:t>
+              <a:t>10/13/2022</a:t>
             </a:fld>
             <a:endParaRPr lang="en-US"/>
           </a:p>
@@ -1154,7 +1154,7 @@
           <a:p>
             <a:fld id="{49BD1260-F800-47FF-BFB7-04863EE0A73E}" type="datetimeFigureOut">
               <a:rPr lang="en-US" smtClean="0"/>
-              <a:t>10/10/2022</a:t>
+              <a:t>10/13/2022</a:t>
             </a:fld>
             <a:endParaRPr lang="en-US"/>
           </a:p>
@@ -1422,7 +1422,7 @@
           <a:p>
             <a:fld id="{49BD1260-F800-47FF-BFB7-04863EE0A73E}" type="datetimeFigureOut">
               <a:rPr lang="en-US" smtClean="0"/>
-              <a:t>10/10/2022</a:t>
+              <a:t>10/13/2022</a:t>
             </a:fld>
             <a:endParaRPr lang="en-US"/>
           </a:p>
@@ -1837,7 +1837,7 @@
           <a:p>
             <a:fld id="{49BD1260-F800-47FF-BFB7-04863EE0A73E}" type="datetimeFigureOut">
               <a:rPr lang="en-US" smtClean="0"/>
-              <a:t>10/10/2022</a:t>
+              <a:t>10/13/2022</a:t>
             </a:fld>
             <a:endParaRPr lang="en-US"/>
           </a:p>
@@ -1979,7 +1979,7 @@
           <a:p>
             <a:fld id="{49BD1260-F800-47FF-BFB7-04863EE0A73E}" type="datetimeFigureOut">
               <a:rPr lang="en-US" smtClean="0"/>
-              <a:t>10/10/2022</a:t>
+              <a:t>10/13/2022</a:t>
             </a:fld>
             <a:endParaRPr lang="en-US"/>
           </a:p>
@@ -2092,7 +2092,7 @@
           <a:p>
             <a:fld id="{49BD1260-F800-47FF-BFB7-04863EE0A73E}" type="datetimeFigureOut">
               <a:rPr lang="en-US" smtClean="0"/>
-              <a:t>10/10/2022</a:t>
+              <a:t>10/13/2022</a:t>
             </a:fld>
             <a:endParaRPr lang="en-US"/>
           </a:p>
@@ -2405,7 +2405,7 @@
           <a:p>
             <a:fld id="{49BD1260-F800-47FF-BFB7-04863EE0A73E}" type="datetimeFigureOut">
               <a:rPr lang="en-US" smtClean="0"/>
-              <a:t>10/10/2022</a:t>
+              <a:t>10/13/2022</a:t>
             </a:fld>
             <a:endParaRPr lang="en-US"/>
           </a:p>
@@ -2694,7 +2694,7 @@
           <a:p>
             <a:fld id="{49BD1260-F800-47FF-BFB7-04863EE0A73E}" type="datetimeFigureOut">
               <a:rPr lang="en-US" smtClean="0"/>
-              <a:t>10/10/2022</a:t>
+              <a:t>10/13/2022</a:t>
             </a:fld>
             <a:endParaRPr lang="en-US"/>
           </a:p>
@@ -2937,7 +2937,7 @@
           <a:p>
             <a:fld id="{49BD1260-F800-47FF-BFB7-04863EE0A73E}" type="datetimeFigureOut">
               <a:rPr lang="en-US" smtClean="0"/>
-              <a:t>10/10/2022</a:t>
+              <a:t>10/13/2022</a:t>
             </a:fld>
             <a:endParaRPr lang="en-US"/>
           </a:p>
@@ -3764,7 +3764,7 @@
             </a:r>
             <a:r>
               <a:rPr lang="en-US" dirty="0"/>
-              <a:t> server. My app will be transformed into a git repository with an install.sh script which will install the mermaid dependencies and then a run.sh script that will run the parse.</a:t>
+              <a:t> server. My app will be transformed into a git repository with an install.sh script which will install the correspondent dependencies and then a run.sh script that will run the parse.</a:t>
             </a:r>
           </a:p>
         </p:txBody>
@@ -4915,8 +4915,24 @@
           <a:lstStyle/>
           <a:p>
             <a:r>
-              <a:rPr lang="en-US" sz="2000"/>
-              <a:t>Realistically, all you need to parse any diagram in a natural language is the nodes ( edges, classes, etc ) and the relations between them ( straight-line, dotted, inheritance, composition, etc…).</a:t>
+              <a:rPr lang="en-US" sz="2000" dirty="0"/>
+              <a:t>Realistically, all you need to parse any diagram in a natural language is the nodes ( edges, classes, </a:t>
+            </a:r>
+            <a:r>
+              <a:rPr lang="en-US" sz="2000" dirty="0" err="1"/>
+              <a:t>etc</a:t>
+            </a:r>
+            <a:r>
+              <a:rPr lang="en-US" sz="2000" dirty="0"/>
+              <a:t> ), the relations between them ( straight-line, dotted, inheritance, composition, </a:t>
+            </a:r>
+            <a:r>
+              <a:rPr lang="en-US" sz="2000" dirty="0" err="1"/>
+              <a:t>etc</a:t>
+            </a:r>
+            <a:r>
+              <a:rPr lang="en-US" sz="2000" dirty="0"/>
+              <a:t>…) and the graph type.</a:t>
             </a:r>
           </a:p>
         </p:txBody>
@@ -5377,7 +5393,7 @@
         </p:blipFill>
         <p:spPr>
           <a:xfrm>
-            <a:off x="309169" y="1931223"/>
+            <a:off x="637642" y="626205"/>
             <a:ext cx="3771900" cy="3905250"/>
           </a:xfrm>
         </p:spPr>
@@ -5404,7 +5420,7 @@
         </p:blipFill>
         <p:spPr>
           <a:xfrm>
-            <a:off x="4535602" y="1931223"/>
+            <a:off x="6328891" y="226710"/>
             <a:ext cx="2457450" cy="514350"/>
           </a:xfrm>
           <a:prstGeom prst="rect">
@@ -5434,7 +5450,7 @@
         </p:blipFill>
         <p:spPr>
           <a:xfrm>
-            <a:off x="4535602" y="2804982"/>
+            <a:off x="6328891" y="1334706"/>
             <a:ext cx="4686300" cy="476250"/>
           </a:xfrm>
           <a:prstGeom prst="rect">
